--- a/GUI/HanDIYcraft-Web Rough GUI Design-V.2.1.pptx
+++ b/GUI/HanDIYcraft-Web Rough GUI Design-V.2.1.pptx
@@ -27,6 +27,8 @@
     <p:sldId id="293" r:id="rId21"/>
     <p:sldId id="294" r:id="rId22"/>
     <p:sldId id="296" r:id="rId23"/>
+    <p:sldId id="297" r:id="rId24"/>
+    <p:sldId id="298" r:id="rId25"/>
   </p:sldIdLst>
   <p:sldSz cx="9144000" cy="6858000" type="screen4x3"/>
   <p:notesSz cx="6858000" cy="9144000"/>
@@ -309,7 +311,7 @@
           <a:p>
             <a:fld id="{7BE49484-7B62-5B4F-8329-106176ECF3B8}" type="datetimeFigureOut">
               <a:rPr lang="en-US" smtClean="0"/>
-              <a:t>12/9/14 </a:t>
+              <a:t>12/13/14 </a:t>
             </a:fld>
             <a:endParaRPr lang="en-US"/>
           </a:p>
@@ -479,7 +481,7 @@
           <a:p>
             <a:fld id="{7BE49484-7B62-5B4F-8329-106176ECF3B8}" type="datetimeFigureOut">
               <a:rPr lang="en-US" smtClean="0"/>
-              <a:t>12/9/14 </a:t>
+              <a:t>12/13/14 </a:t>
             </a:fld>
             <a:endParaRPr lang="en-US"/>
           </a:p>
@@ -659,7 +661,7 @@
           <a:p>
             <a:fld id="{7BE49484-7B62-5B4F-8329-106176ECF3B8}" type="datetimeFigureOut">
               <a:rPr lang="en-US" smtClean="0"/>
-              <a:t>12/9/14 </a:t>
+              <a:t>12/13/14 </a:t>
             </a:fld>
             <a:endParaRPr lang="en-US"/>
           </a:p>
@@ -829,7 +831,7 @@
           <a:p>
             <a:fld id="{7BE49484-7B62-5B4F-8329-106176ECF3B8}" type="datetimeFigureOut">
               <a:rPr lang="en-US" smtClean="0"/>
-              <a:t>12/9/14 </a:t>
+              <a:t>12/13/14 </a:t>
             </a:fld>
             <a:endParaRPr lang="en-US"/>
           </a:p>
@@ -1075,7 +1077,7 @@
           <a:p>
             <a:fld id="{7BE49484-7B62-5B4F-8329-106176ECF3B8}" type="datetimeFigureOut">
               <a:rPr lang="en-US" smtClean="0"/>
-              <a:t>12/9/14 </a:t>
+              <a:t>12/13/14 </a:t>
             </a:fld>
             <a:endParaRPr lang="en-US"/>
           </a:p>
@@ -1363,7 +1365,7 @@
           <a:p>
             <a:fld id="{7BE49484-7B62-5B4F-8329-106176ECF3B8}" type="datetimeFigureOut">
               <a:rPr lang="en-US" smtClean="0"/>
-              <a:t>12/9/14 </a:t>
+              <a:t>12/13/14 </a:t>
             </a:fld>
             <a:endParaRPr lang="en-US"/>
           </a:p>
@@ -1785,7 +1787,7 @@
           <a:p>
             <a:fld id="{7BE49484-7B62-5B4F-8329-106176ECF3B8}" type="datetimeFigureOut">
               <a:rPr lang="en-US" smtClean="0"/>
-              <a:t>12/9/14 </a:t>
+              <a:t>12/13/14 </a:t>
             </a:fld>
             <a:endParaRPr lang="en-US"/>
           </a:p>
@@ -1903,7 +1905,7 @@
           <a:p>
             <a:fld id="{7BE49484-7B62-5B4F-8329-106176ECF3B8}" type="datetimeFigureOut">
               <a:rPr lang="en-US" smtClean="0"/>
-              <a:t>12/9/14 </a:t>
+              <a:t>12/13/14 </a:t>
             </a:fld>
             <a:endParaRPr lang="en-US"/>
           </a:p>
@@ -1998,7 +2000,7 @@
           <a:p>
             <a:fld id="{7BE49484-7B62-5B4F-8329-106176ECF3B8}" type="datetimeFigureOut">
               <a:rPr lang="en-US" smtClean="0"/>
-              <a:t>12/9/14 </a:t>
+              <a:t>12/13/14 </a:t>
             </a:fld>
             <a:endParaRPr lang="en-US"/>
           </a:p>
@@ -2275,7 +2277,7 @@
           <a:p>
             <a:fld id="{7BE49484-7B62-5B4F-8329-106176ECF3B8}" type="datetimeFigureOut">
               <a:rPr lang="en-US" smtClean="0"/>
-              <a:t>12/9/14 </a:t>
+              <a:t>12/13/14 </a:t>
             </a:fld>
             <a:endParaRPr lang="en-US"/>
           </a:p>
@@ -2528,7 +2530,7 @@
           <a:p>
             <a:fld id="{7BE49484-7B62-5B4F-8329-106176ECF3B8}" type="datetimeFigureOut">
               <a:rPr lang="en-US" smtClean="0"/>
-              <a:t>12/9/14 </a:t>
+              <a:t>12/13/14 </a:t>
             </a:fld>
             <a:endParaRPr lang="en-US"/>
           </a:p>
@@ -2741,7 +2743,7 @@
           <a:p>
             <a:fld id="{7BE49484-7B62-5B4F-8329-106176ECF3B8}" type="datetimeFigureOut">
               <a:rPr lang="en-US" smtClean="0"/>
-              <a:t>12/9/14 </a:t>
+              <a:t>12/13/14 </a:t>
             </a:fld>
             <a:endParaRPr lang="en-US"/>
           </a:p>
@@ -25801,6 +25803,2540 @@
     <p:extLst>
       <p:ext uri="{BB962C8B-B14F-4D97-AF65-F5344CB8AC3E}">
         <p14:creationId xmlns:p14="http://schemas.microsoft.com/office/powerpoint/2010/main" val="2207749448"/>
+      </p:ext>
+    </p:extLst>
+  </p:cSld>
+  <p:clrMapOvr>
+    <a:masterClrMapping/>
+  </p:clrMapOvr>
+</p:sld>
+</file>
+
+<file path=ppt/slides/slide23.xml><?xml version="1.0" encoding="utf-8"?>
+<p:sld xmlns:a="http://schemas.openxmlformats.org/drawingml/2006/main" xmlns:r="http://schemas.openxmlformats.org/officeDocument/2006/relationships" xmlns:p="http://schemas.openxmlformats.org/presentationml/2006/main">
+  <p:cSld>
+    <p:spTree>
+      <p:nvGrpSpPr>
+        <p:cNvPr id="1" name=""/>
+        <p:cNvGrpSpPr/>
+        <p:nvPr/>
+      </p:nvGrpSpPr>
+      <p:grpSpPr>
+        <a:xfrm>
+          <a:off x="0" y="0"/>
+          <a:ext cx="0" cy="0"/>
+          <a:chOff x="0" y="0"/>
+          <a:chExt cx="0" cy="0"/>
+        </a:xfrm>
+      </p:grpSpPr>
+      <p:sp>
+        <p:nvSpPr>
+          <p:cNvPr id="4" name="Rectangle 3"/>
+          <p:cNvSpPr/>
+          <p:nvPr/>
+        </p:nvSpPr>
+        <p:spPr>
+          <a:xfrm>
+            <a:off x="170605" y="834147"/>
+            <a:ext cx="8833593" cy="5592564"/>
+          </a:xfrm>
+          <a:prstGeom prst="rect">
+            <a:avLst/>
+          </a:prstGeom>
+          <a:solidFill>
+            <a:srgbClr val="224166"/>
+          </a:solidFill>
+          <a:ln>
+            <a:noFill/>
+          </a:ln>
+          <a:effectLst/>
+        </p:spPr>
+        <p:style>
+          <a:lnRef idx="1">
+            <a:schemeClr val="accent1"/>
+          </a:lnRef>
+          <a:fillRef idx="3">
+            <a:schemeClr val="accent1"/>
+          </a:fillRef>
+          <a:effectRef idx="2">
+            <a:schemeClr val="accent1"/>
+          </a:effectRef>
+          <a:fontRef idx="minor">
+            <a:schemeClr val="lt1"/>
+          </a:fontRef>
+        </p:style>
+        <p:txBody>
+          <a:bodyPr rtlCol="0" anchor="ctr"/>
+          <a:lstStyle/>
+          <a:p>
+            <a:pPr algn="ctr"/>
+            <a:endParaRPr lang="en-US"/>
+          </a:p>
+        </p:txBody>
+      </p:sp>
+      <p:pic>
+        <p:nvPicPr>
+          <p:cNvPr id="47" name="Picture 46" descr="home1.png"/>
+          <p:cNvPicPr>
+            <a:picLocks noChangeAspect="1"/>
+          </p:cNvPicPr>
+          <p:nvPr/>
+        </p:nvPicPr>
+        <p:blipFill>
+          <a:blip r:embed="rId2">
+            <a:duotone>
+              <a:schemeClr val="accent1">
+                <a:shade val="45000"/>
+                <a:satMod val="135000"/>
+              </a:schemeClr>
+              <a:prstClr val="white"/>
+            </a:duotone>
+            <a:extLst>
+              <a:ext uri="{BEBA8EAE-BF5A-486C-A8C5-ECC9F3942E4B}">
+                <a14:imgProps xmlns:a14="http://schemas.microsoft.com/office/drawing/2010/main">
+                  <a14:imgLayer r:embed="rId3">
+                    <a14:imgEffect>
+                      <a14:brightnessContrast bright="-35000"/>
+                    </a14:imgEffect>
+                  </a14:imgLayer>
+                </a14:imgProps>
+              </a:ext>
+              <a:ext uri="{28A0092B-C50C-407E-A947-70E740481C1C}">
+                <a14:useLocalDpi xmlns:a14="http://schemas.microsoft.com/office/drawing/2010/main" val="0"/>
+              </a:ext>
+            </a:extLst>
+          </a:blip>
+          <a:stretch>
+            <a:fillRect/>
+          </a:stretch>
+        </p:blipFill>
+        <p:spPr>
+          <a:xfrm>
+            <a:off x="4098017" y="934195"/>
+            <a:ext cx="541269" cy="541269"/>
+          </a:xfrm>
+          <a:prstGeom prst="rect">
+            <a:avLst/>
+          </a:prstGeom>
+          <a:noFill/>
+        </p:spPr>
+      </p:pic>
+      <p:sp>
+        <p:nvSpPr>
+          <p:cNvPr id="11" name="Rectangle 10"/>
+          <p:cNvSpPr/>
+          <p:nvPr/>
+        </p:nvSpPr>
+        <p:spPr>
+          <a:xfrm>
+            <a:off x="1187585" y="1588495"/>
+            <a:ext cx="6779137" cy="4773203"/>
+          </a:xfrm>
+          <a:prstGeom prst="rect">
+            <a:avLst/>
+          </a:prstGeom>
+          <a:solidFill>
+            <a:srgbClr val="E4E4E4"/>
+          </a:solidFill>
+          <a:ln>
+            <a:noFill/>
+          </a:ln>
+          <a:effectLst/>
+        </p:spPr>
+        <p:style>
+          <a:lnRef idx="1">
+            <a:schemeClr val="accent1"/>
+          </a:lnRef>
+          <a:fillRef idx="3">
+            <a:schemeClr val="accent1"/>
+          </a:fillRef>
+          <a:effectRef idx="2">
+            <a:schemeClr val="accent1"/>
+          </a:effectRef>
+          <a:fontRef idx="minor">
+            <a:schemeClr val="lt1"/>
+          </a:fontRef>
+        </p:style>
+        <p:txBody>
+          <a:bodyPr rtlCol="0" anchor="ctr"/>
+          <a:lstStyle/>
+          <a:p>
+            <a:pPr algn="ctr"/>
+            <a:endParaRPr lang="en-US"/>
+          </a:p>
+        </p:txBody>
+      </p:sp>
+      <p:sp>
+        <p:nvSpPr>
+          <p:cNvPr id="22" name="Rectangle 21"/>
+          <p:cNvSpPr/>
+          <p:nvPr/>
+        </p:nvSpPr>
+        <p:spPr>
+          <a:xfrm>
+            <a:off x="8845448" y="834147"/>
+            <a:ext cx="158750" cy="5592564"/>
+          </a:xfrm>
+          <a:prstGeom prst="rect">
+            <a:avLst/>
+          </a:prstGeom>
+          <a:solidFill>
+            <a:schemeClr val="bg1">
+              <a:lumMod val="65000"/>
+            </a:schemeClr>
+          </a:solidFill>
+          <a:ln>
+            <a:noFill/>
+          </a:ln>
+          <a:effectLst/>
+        </p:spPr>
+        <p:style>
+          <a:lnRef idx="1">
+            <a:schemeClr val="accent1"/>
+          </a:lnRef>
+          <a:fillRef idx="3">
+            <a:schemeClr val="accent1"/>
+          </a:fillRef>
+          <a:effectRef idx="2">
+            <a:schemeClr val="accent1"/>
+          </a:effectRef>
+          <a:fontRef idx="minor">
+            <a:schemeClr val="lt1"/>
+          </a:fontRef>
+        </p:style>
+        <p:txBody>
+          <a:bodyPr rtlCol="0" anchor="ctr"/>
+          <a:lstStyle/>
+          <a:p>
+            <a:pPr algn="ctr"/>
+            <a:endParaRPr lang="en-US"/>
+          </a:p>
+        </p:txBody>
+      </p:sp>
+      <p:sp>
+        <p:nvSpPr>
+          <p:cNvPr id="23" name="Rounded Rectangle 22"/>
+          <p:cNvSpPr/>
+          <p:nvPr/>
+        </p:nvSpPr>
+        <p:spPr>
+          <a:xfrm>
+            <a:off x="8829166" y="788458"/>
+            <a:ext cx="175031" cy="1727200"/>
+          </a:xfrm>
+          <a:prstGeom prst="roundRect">
+            <a:avLst/>
+          </a:prstGeom>
+          <a:solidFill>
+            <a:schemeClr val="tx1">
+              <a:lumMod val="75000"/>
+              <a:lumOff val="25000"/>
+            </a:schemeClr>
+          </a:solidFill>
+          <a:ln>
+            <a:noFill/>
+          </a:ln>
+        </p:spPr>
+        <p:style>
+          <a:lnRef idx="1">
+            <a:schemeClr val="accent1"/>
+          </a:lnRef>
+          <a:fillRef idx="3">
+            <a:schemeClr val="accent1"/>
+          </a:fillRef>
+          <a:effectRef idx="2">
+            <a:schemeClr val="accent1"/>
+          </a:effectRef>
+          <a:fontRef idx="minor">
+            <a:schemeClr val="lt1"/>
+          </a:fontRef>
+        </p:style>
+        <p:txBody>
+          <a:bodyPr rtlCol="0" anchor="ctr"/>
+          <a:lstStyle/>
+          <a:p>
+            <a:pPr algn="ctr"/>
+            <a:endParaRPr lang="en-US"/>
+          </a:p>
+        </p:txBody>
+      </p:sp>
+      <p:pic>
+        <p:nvPicPr>
+          <p:cNvPr id="51" name="Picture 50" descr="create1.png"/>
+          <p:cNvPicPr>
+            <a:picLocks noChangeAspect="1"/>
+          </p:cNvPicPr>
+          <p:nvPr/>
+        </p:nvPicPr>
+        <p:blipFill>
+          <a:blip r:embed="rId4">
+            <a:duotone>
+              <a:schemeClr val="accent1">
+                <a:shade val="45000"/>
+                <a:satMod val="135000"/>
+              </a:schemeClr>
+              <a:prstClr val="white"/>
+            </a:duotone>
+            <a:extLst>
+              <a:ext uri="{BEBA8EAE-BF5A-486C-A8C5-ECC9F3942E4B}">
+                <a14:imgProps xmlns:a14="http://schemas.microsoft.com/office/drawing/2010/main">
+                  <a14:imgLayer r:embed="rId5">
+                    <a14:imgEffect>
+                      <a14:brightnessContrast bright="-33000"/>
+                    </a14:imgEffect>
+                  </a14:imgLayer>
+                </a14:imgProps>
+              </a:ext>
+              <a:ext uri="{28A0092B-C50C-407E-A947-70E740481C1C}">
+                <a14:useLocalDpi xmlns:a14="http://schemas.microsoft.com/office/drawing/2010/main" val="0"/>
+              </a:ext>
+            </a:extLst>
+          </a:blip>
+          <a:stretch>
+            <a:fillRect/>
+          </a:stretch>
+        </p:blipFill>
+        <p:spPr>
+          <a:xfrm rot="900000">
+            <a:off x="4774560" y="1042718"/>
+            <a:ext cx="339599" cy="339599"/>
+          </a:xfrm>
+          <a:prstGeom prst="rect">
+            <a:avLst/>
+          </a:prstGeom>
+        </p:spPr>
+      </p:pic>
+      <p:sp>
+        <p:nvSpPr>
+          <p:cNvPr id="5" name="Rounded Rectangle 4"/>
+          <p:cNvSpPr/>
+          <p:nvPr/>
+        </p:nvSpPr>
+        <p:spPr>
+          <a:xfrm>
+            <a:off x="170605" y="499099"/>
+            <a:ext cx="8833593" cy="341243"/>
+          </a:xfrm>
+          <a:prstGeom prst="roundRect">
+            <a:avLst/>
+          </a:prstGeom>
+          <a:solidFill>
+            <a:schemeClr val="tx1">
+              <a:lumMod val="75000"/>
+              <a:lumOff val="25000"/>
+            </a:schemeClr>
+          </a:solidFill>
+          <a:ln>
+            <a:noFill/>
+          </a:ln>
+          <a:effectLst/>
+        </p:spPr>
+        <p:style>
+          <a:lnRef idx="1">
+            <a:schemeClr val="accent1"/>
+          </a:lnRef>
+          <a:fillRef idx="3">
+            <a:schemeClr val="accent1"/>
+          </a:fillRef>
+          <a:effectRef idx="2">
+            <a:schemeClr val="accent1"/>
+          </a:effectRef>
+          <a:fontRef idx="minor">
+            <a:schemeClr val="lt1"/>
+          </a:fontRef>
+        </p:style>
+        <p:txBody>
+          <a:bodyPr rtlCol="0" anchor="ctr"/>
+          <a:lstStyle/>
+          <a:p>
+            <a:pPr algn="ctr"/>
+            <a:endParaRPr lang="en-US" dirty="0"/>
+          </a:p>
+        </p:txBody>
+      </p:sp>
+      <p:sp>
+        <p:nvSpPr>
+          <p:cNvPr id="54" name="Rounded Rectangle 53"/>
+          <p:cNvSpPr/>
+          <p:nvPr/>
+        </p:nvSpPr>
+        <p:spPr>
+          <a:xfrm>
+            <a:off x="1428750" y="1739445"/>
+            <a:ext cx="728750" cy="257672"/>
+          </a:xfrm>
+          <a:prstGeom prst="roundRect">
+            <a:avLst/>
+          </a:prstGeom>
+          <a:solidFill>
+            <a:srgbClr val="FFDE5B"/>
+          </a:solidFill>
+          <a:ln>
+            <a:noFill/>
+          </a:ln>
+          <a:effectLst>
+            <a:outerShdw blurRad="28575" dist="38100" dir="2700000" algn="tl" rotWithShape="0">
+              <a:schemeClr val="tx1">
+                <a:lumMod val="65000"/>
+                <a:lumOff val="35000"/>
+                <a:alpha val="43000"/>
+              </a:schemeClr>
+            </a:outerShdw>
+          </a:effectLst>
+        </p:spPr>
+        <p:style>
+          <a:lnRef idx="1">
+            <a:schemeClr val="accent1"/>
+          </a:lnRef>
+          <a:fillRef idx="3">
+            <a:schemeClr val="accent1"/>
+          </a:fillRef>
+          <a:effectRef idx="2">
+            <a:schemeClr val="accent1"/>
+          </a:effectRef>
+          <a:fontRef idx="minor">
+            <a:schemeClr val="lt1"/>
+          </a:fontRef>
+        </p:style>
+        <p:txBody>
+          <a:bodyPr rtlCol="0" anchor="ctr"/>
+          <a:lstStyle/>
+          <a:p>
+            <a:pPr algn="ctr"/>
+            <a:r>
+              <a:rPr lang="en-US" sz="1100" spc="300" dirty="0" smtClean="0">
+                <a:solidFill>
+                  <a:srgbClr val="25456B"/>
+                </a:solidFill>
+                <a:latin typeface="MAW "/>
+                <a:cs typeface="MAW "/>
+              </a:rPr>
+              <a:t>Random</a:t>
+            </a:r>
+            <a:endParaRPr lang="en-US" sz="1100" spc="300" dirty="0">
+              <a:solidFill>
+                <a:srgbClr val="25456B"/>
+              </a:solidFill>
+              <a:latin typeface="MAW "/>
+              <a:cs typeface="MAW "/>
+            </a:endParaRPr>
+          </a:p>
+        </p:txBody>
+      </p:sp>
+      <p:sp>
+        <p:nvSpPr>
+          <p:cNvPr id="55" name="Rounded Rectangle 54"/>
+          <p:cNvSpPr/>
+          <p:nvPr/>
+        </p:nvSpPr>
+        <p:spPr>
+          <a:xfrm>
+            <a:off x="2289269" y="1738465"/>
+            <a:ext cx="728750" cy="257672"/>
+          </a:xfrm>
+          <a:prstGeom prst="roundRect">
+            <a:avLst/>
+          </a:prstGeom>
+          <a:solidFill>
+            <a:srgbClr val="FFDE5B"/>
+          </a:solidFill>
+          <a:ln>
+            <a:noFill/>
+          </a:ln>
+          <a:effectLst>
+            <a:outerShdw blurRad="28575" dist="38100" dir="2700000" algn="tl" rotWithShape="0">
+              <a:schemeClr val="tx1">
+                <a:lumMod val="65000"/>
+                <a:lumOff val="35000"/>
+                <a:alpha val="43000"/>
+              </a:schemeClr>
+            </a:outerShdw>
+          </a:effectLst>
+        </p:spPr>
+        <p:style>
+          <a:lnRef idx="1">
+            <a:schemeClr val="accent1"/>
+          </a:lnRef>
+          <a:fillRef idx="3">
+            <a:schemeClr val="accent1"/>
+          </a:fillRef>
+          <a:effectRef idx="2">
+            <a:schemeClr val="accent1"/>
+          </a:effectRef>
+          <a:fontRef idx="minor">
+            <a:schemeClr val="lt1"/>
+          </a:fontRef>
+        </p:style>
+        <p:txBody>
+          <a:bodyPr rtlCol="0" anchor="ctr"/>
+          <a:lstStyle/>
+          <a:p>
+            <a:pPr algn="ctr"/>
+            <a:r>
+              <a:rPr lang="en-US" sz="1100" spc="300" dirty="0" smtClean="0">
+                <a:solidFill>
+                  <a:srgbClr val="25456B"/>
+                </a:solidFill>
+                <a:latin typeface="MAW "/>
+                <a:cs typeface="MAW "/>
+              </a:rPr>
+              <a:t>Popular</a:t>
+            </a:r>
+            <a:endParaRPr lang="en-US" sz="1100" spc="300" dirty="0">
+              <a:solidFill>
+                <a:srgbClr val="25456B"/>
+              </a:solidFill>
+              <a:latin typeface="MAW "/>
+              <a:cs typeface="MAW "/>
+            </a:endParaRPr>
+          </a:p>
+        </p:txBody>
+      </p:sp>
+      <p:sp>
+        <p:nvSpPr>
+          <p:cNvPr id="56" name="Rounded Rectangle 55"/>
+          <p:cNvSpPr/>
+          <p:nvPr/>
+        </p:nvSpPr>
+        <p:spPr>
+          <a:xfrm>
+            <a:off x="3140355" y="1739445"/>
+            <a:ext cx="824257" cy="257672"/>
+          </a:xfrm>
+          <a:prstGeom prst="roundRect">
+            <a:avLst/>
+          </a:prstGeom>
+          <a:solidFill>
+            <a:srgbClr val="FFDE5B"/>
+          </a:solidFill>
+          <a:ln>
+            <a:noFill/>
+          </a:ln>
+          <a:effectLst>
+            <a:outerShdw blurRad="28575" dist="38100" dir="2700000" algn="tl" rotWithShape="0">
+              <a:schemeClr val="tx1">
+                <a:lumMod val="65000"/>
+                <a:lumOff val="35000"/>
+                <a:alpha val="43000"/>
+              </a:schemeClr>
+            </a:outerShdw>
+          </a:effectLst>
+        </p:spPr>
+        <p:style>
+          <a:lnRef idx="1">
+            <a:schemeClr val="accent1"/>
+          </a:lnRef>
+          <a:fillRef idx="3">
+            <a:schemeClr val="accent1"/>
+          </a:fillRef>
+          <a:effectRef idx="2">
+            <a:schemeClr val="accent1"/>
+          </a:effectRef>
+          <a:fontRef idx="minor">
+            <a:schemeClr val="lt1"/>
+          </a:fontRef>
+        </p:style>
+        <p:txBody>
+          <a:bodyPr rtlCol="0" anchor="ctr"/>
+          <a:lstStyle/>
+          <a:p>
+            <a:pPr algn="ctr"/>
+            <a:r>
+              <a:rPr lang="en-US" sz="1100" spc="300" dirty="0" smtClean="0">
+                <a:solidFill>
+                  <a:srgbClr val="25456B"/>
+                </a:solidFill>
+                <a:latin typeface="MAW "/>
+                <a:cs typeface="MAW "/>
+              </a:rPr>
+              <a:t>Following</a:t>
+            </a:r>
+            <a:endParaRPr lang="en-US" sz="1100" spc="300" dirty="0">
+              <a:solidFill>
+                <a:srgbClr val="25456B"/>
+              </a:solidFill>
+              <a:latin typeface="MAW "/>
+              <a:cs typeface="MAW "/>
+            </a:endParaRPr>
+          </a:p>
+        </p:txBody>
+      </p:sp>
+      <p:sp>
+        <p:nvSpPr>
+          <p:cNvPr id="15" name="Rectangle 14"/>
+          <p:cNvSpPr/>
+          <p:nvPr/>
+        </p:nvSpPr>
+        <p:spPr>
+          <a:xfrm>
+            <a:off x="1682750" y="2874013"/>
+            <a:ext cx="2603500" cy="3406285"/>
+          </a:xfrm>
+          <a:prstGeom prst="rect">
+            <a:avLst/>
+          </a:prstGeom>
+          <a:solidFill>
+            <a:schemeClr val="bg1"/>
+          </a:solidFill>
+          <a:ln>
+            <a:noFill/>
+          </a:ln>
+          <a:effectLst/>
+        </p:spPr>
+        <p:style>
+          <a:lnRef idx="1">
+            <a:schemeClr val="accent1"/>
+          </a:lnRef>
+          <a:fillRef idx="3">
+            <a:schemeClr val="accent1"/>
+          </a:fillRef>
+          <a:effectRef idx="2">
+            <a:schemeClr val="accent1"/>
+          </a:effectRef>
+          <a:fontRef idx="minor">
+            <a:schemeClr val="lt1"/>
+          </a:fontRef>
+        </p:style>
+        <p:txBody>
+          <a:bodyPr rtlCol="0" anchor="ctr"/>
+          <a:lstStyle/>
+          <a:p>
+            <a:pPr algn="ctr"/>
+            <a:endParaRPr lang="en-US"/>
+          </a:p>
+        </p:txBody>
+      </p:sp>
+      <p:sp>
+        <p:nvSpPr>
+          <p:cNvPr id="58" name="Rectangle 57"/>
+          <p:cNvSpPr/>
+          <p:nvPr/>
+        </p:nvSpPr>
+        <p:spPr>
+          <a:xfrm>
+            <a:off x="1682750" y="5931491"/>
+            <a:ext cx="2603500" cy="348807"/>
+          </a:xfrm>
+          <a:prstGeom prst="rect">
+            <a:avLst/>
+          </a:prstGeom>
+          <a:solidFill>
+            <a:srgbClr val="FFDE5B"/>
+          </a:solidFill>
+          <a:ln>
+            <a:noFill/>
+          </a:ln>
+          <a:effectLst/>
+        </p:spPr>
+        <p:style>
+          <a:lnRef idx="1">
+            <a:schemeClr val="accent1"/>
+          </a:lnRef>
+          <a:fillRef idx="3">
+            <a:schemeClr val="accent1"/>
+          </a:fillRef>
+          <a:effectRef idx="2">
+            <a:schemeClr val="accent1"/>
+          </a:effectRef>
+          <a:fontRef idx="minor">
+            <a:schemeClr val="lt1"/>
+          </a:fontRef>
+        </p:style>
+        <p:txBody>
+          <a:bodyPr rtlCol="0" anchor="ctr"/>
+          <a:lstStyle/>
+          <a:p>
+            <a:pPr algn="ctr"/>
+            <a:endParaRPr lang="en-US"/>
+          </a:p>
+        </p:txBody>
+      </p:sp>
+      <p:sp>
+        <p:nvSpPr>
+          <p:cNvPr id="7" name="Oval 6"/>
+          <p:cNvSpPr/>
+          <p:nvPr/>
+        </p:nvSpPr>
+        <p:spPr>
+          <a:xfrm>
+            <a:off x="262955" y="598659"/>
+            <a:ext cx="173439" cy="167848"/>
+          </a:xfrm>
+          <a:prstGeom prst="ellipse">
+            <a:avLst/>
+          </a:prstGeom>
+          <a:solidFill>
+            <a:srgbClr val="FE2D40"/>
+          </a:solidFill>
+          <a:ln>
+            <a:noFill/>
+          </a:ln>
+          <a:effectLst/>
+        </p:spPr>
+        <p:style>
+          <a:lnRef idx="1">
+            <a:schemeClr val="accent1"/>
+          </a:lnRef>
+          <a:fillRef idx="3">
+            <a:schemeClr val="accent1"/>
+          </a:fillRef>
+          <a:effectRef idx="2">
+            <a:schemeClr val="accent1"/>
+          </a:effectRef>
+          <a:fontRef idx="minor">
+            <a:schemeClr val="lt1"/>
+          </a:fontRef>
+        </p:style>
+        <p:txBody>
+          <a:bodyPr rtlCol="0" anchor="ctr"/>
+          <a:lstStyle/>
+          <a:p>
+            <a:pPr algn="ctr"/>
+            <a:endParaRPr lang="en-US"/>
+          </a:p>
+        </p:txBody>
+      </p:sp>
+      <p:sp>
+        <p:nvSpPr>
+          <p:cNvPr id="60" name="Rectangle 59"/>
+          <p:cNvSpPr/>
+          <p:nvPr/>
+        </p:nvSpPr>
+        <p:spPr>
+          <a:xfrm>
+            <a:off x="4886551" y="2874013"/>
+            <a:ext cx="2603500" cy="3406285"/>
+          </a:xfrm>
+          <a:prstGeom prst="rect">
+            <a:avLst/>
+          </a:prstGeom>
+          <a:solidFill>
+            <a:schemeClr val="bg1"/>
+          </a:solidFill>
+          <a:ln>
+            <a:noFill/>
+          </a:ln>
+          <a:effectLst/>
+        </p:spPr>
+        <p:style>
+          <a:lnRef idx="1">
+            <a:schemeClr val="accent1"/>
+          </a:lnRef>
+          <a:fillRef idx="3">
+            <a:schemeClr val="accent1"/>
+          </a:fillRef>
+          <a:effectRef idx="2">
+            <a:schemeClr val="accent1"/>
+          </a:effectRef>
+          <a:fontRef idx="minor">
+            <a:schemeClr val="lt1"/>
+          </a:fontRef>
+        </p:style>
+        <p:txBody>
+          <a:bodyPr rtlCol="0" anchor="ctr"/>
+          <a:lstStyle/>
+          <a:p>
+            <a:pPr algn="ctr"/>
+            <a:endParaRPr lang="en-US"/>
+          </a:p>
+        </p:txBody>
+      </p:sp>
+      <p:sp>
+        <p:nvSpPr>
+          <p:cNvPr id="61" name="Rectangle 60"/>
+          <p:cNvSpPr/>
+          <p:nvPr/>
+        </p:nvSpPr>
+        <p:spPr>
+          <a:xfrm>
+            <a:off x="4886551" y="5931491"/>
+            <a:ext cx="2603500" cy="348807"/>
+          </a:xfrm>
+          <a:prstGeom prst="rect">
+            <a:avLst/>
+          </a:prstGeom>
+          <a:solidFill>
+            <a:srgbClr val="FFDE5B"/>
+          </a:solidFill>
+          <a:ln>
+            <a:noFill/>
+          </a:ln>
+          <a:effectLst/>
+        </p:spPr>
+        <p:style>
+          <a:lnRef idx="1">
+            <a:schemeClr val="accent1"/>
+          </a:lnRef>
+          <a:fillRef idx="3">
+            <a:schemeClr val="accent1"/>
+          </a:fillRef>
+          <a:effectRef idx="2">
+            <a:schemeClr val="accent1"/>
+          </a:effectRef>
+          <a:fontRef idx="minor">
+            <a:schemeClr val="lt1"/>
+          </a:fontRef>
+        </p:style>
+        <p:txBody>
+          <a:bodyPr rtlCol="0" anchor="ctr"/>
+          <a:lstStyle/>
+          <a:p>
+            <a:pPr algn="ctr"/>
+            <a:endParaRPr lang="en-US"/>
+          </a:p>
+        </p:txBody>
+      </p:sp>
+      <p:sp>
+        <p:nvSpPr>
+          <p:cNvPr id="66" name="TextBox 65"/>
+          <p:cNvSpPr txBox="1"/>
+          <p:nvPr/>
+        </p:nvSpPr>
+        <p:spPr>
+          <a:xfrm>
+            <a:off x="1787447" y="5909123"/>
+            <a:ext cx="1417388" cy="369332"/>
+          </a:xfrm>
+          <a:prstGeom prst="rect">
+            <a:avLst/>
+          </a:prstGeom>
+          <a:noFill/>
+        </p:spPr>
+        <p:txBody>
+          <a:bodyPr wrap="none" rtlCol="0">
+            <a:spAutoFit/>
+          </a:bodyPr>
+          <a:lstStyle/>
+          <a:p>
+            <a:r>
+              <a:rPr lang="en-US" b="1" dirty="0" smtClean="0">
+                <a:solidFill>
+                  <a:srgbClr val="000000"/>
+                </a:solidFill>
+              </a:rPr>
+              <a:t>“ DIY shoes ”</a:t>
+            </a:r>
+            <a:endParaRPr lang="en-US" b="1" dirty="0">
+              <a:solidFill>
+                <a:srgbClr val="000000"/>
+              </a:solidFill>
+            </a:endParaRPr>
+          </a:p>
+        </p:txBody>
+      </p:sp>
+      <p:sp>
+        <p:nvSpPr>
+          <p:cNvPr id="68" name="TextBox 67"/>
+          <p:cNvSpPr txBox="1"/>
+          <p:nvPr/>
+        </p:nvSpPr>
+        <p:spPr>
+          <a:xfrm>
+            <a:off x="5048070" y="5909123"/>
+            <a:ext cx="1321921" cy="369332"/>
+          </a:xfrm>
+          <a:prstGeom prst="rect">
+            <a:avLst/>
+          </a:prstGeom>
+          <a:noFill/>
+        </p:spPr>
+        <p:txBody>
+          <a:bodyPr wrap="none" rtlCol="0">
+            <a:spAutoFit/>
+          </a:bodyPr>
+          <a:lstStyle/>
+          <a:p>
+            <a:r>
+              <a:rPr lang="en-US" b="1" dirty="0" smtClean="0">
+                <a:solidFill>
+                  <a:srgbClr val="000000"/>
+                </a:solidFill>
+              </a:rPr>
+              <a:t>“ DIY jeans”</a:t>
+            </a:r>
+            <a:endParaRPr lang="en-US" b="1" dirty="0">
+              <a:solidFill>
+                <a:srgbClr val="000000"/>
+              </a:solidFill>
+            </a:endParaRPr>
+          </a:p>
+        </p:txBody>
+      </p:sp>
+      <p:pic>
+        <p:nvPicPr>
+          <p:cNvPr id="73" name="Picture 72" descr="Untitled-1.png"/>
+          <p:cNvPicPr>
+            <a:picLocks noChangeAspect="1"/>
+          </p:cNvPicPr>
+          <p:nvPr/>
+        </p:nvPicPr>
+        <p:blipFill>
+          <a:blip r:embed="rId6">
+            <a:alphaModFix/>
+            <a:duotone>
+              <a:schemeClr val="accent1">
+                <a:shade val="45000"/>
+                <a:satMod val="135000"/>
+              </a:schemeClr>
+              <a:prstClr val="white"/>
+            </a:duotone>
+            <a:extLst>
+              <a:ext uri="{28A0092B-C50C-407E-A947-70E740481C1C}">
+                <a14:useLocalDpi xmlns:a14="http://schemas.microsoft.com/office/drawing/2010/main" val="0"/>
+              </a:ext>
+            </a:extLst>
+          </a:blip>
+          <a:stretch>
+            <a:fillRect/>
+          </a:stretch>
+        </p:blipFill>
+        <p:spPr>
+          <a:xfrm>
+            <a:off x="5317192" y="1004555"/>
+            <a:ext cx="380550" cy="380550"/>
+          </a:xfrm>
+          <a:prstGeom prst="rect">
+            <a:avLst/>
+          </a:prstGeom>
+        </p:spPr>
+      </p:pic>
+      <p:sp>
+        <p:nvSpPr>
+          <p:cNvPr id="74" name="TextBox 73"/>
+          <p:cNvSpPr txBox="1"/>
+          <p:nvPr/>
+        </p:nvSpPr>
+        <p:spPr>
+          <a:xfrm>
+            <a:off x="3335083" y="512845"/>
+            <a:ext cx="2990991" cy="307777"/>
+          </a:xfrm>
+          <a:prstGeom prst="rect">
+            <a:avLst/>
+          </a:prstGeom>
+          <a:noFill/>
+        </p:spPr>
+        <p:txBody>
+          <a:bodyPr wrap="square" rtlCol="0">
+            <a:spAutoFit/>
+          </a:bodyPr>
+          <a:lstStyle/>
+          <a:p>
+            <a:r>
+              <a:rPr lang="en-US" sz="1400" dirty="0" smtClean="0">
+                <a:solidFill>
+                  <a:schemeClr val="bg1">
+                    <a:lumMod val="75000"/>
+                  </a:schemeClr>
+                </a:solidFill>
+              </a:rPr>
+              <a:t>HanDIYcraft | Blogger Home Page</a:t>
+            </a:r>
+            <a:endParaRPr lang="en-US" sz="1400" dirty="0">
+              <a:solidFill>
+                <a:schemeClr val="bg1">
+                  <a:lumMod val="75000"/>
+                </a:schemeClr>
+              </a:solidFill>
+            </a:endParaRPr>
+          </a:p>
+        </p:txBody>
+      </p:sp>
+      <p:sp>
+        <p:nvSpPr>
+          <p:cNvPr id="83" name="TextBox 82"/>
+          <p:cNvSpPr txBox="1"/>
+          <p:nvPr/>
+        </p:nvSpPr>
+        <p:spPr>
+          <a:xfrm>
+            <a:off x="2367017" y="2559279"/>
+            <a:ext cx="455067" cy="261610"/>
+          </a:xfrm>
+          <a:prstGeom prst="rect">
+            <a:avLst/>
+          </a:prstGeom>
+          <a:noFill/>
+        </p:spPr>
+        <p:txBody>
+          <a:bodyPr wrap="none" rtlCol="0">
+            <a:spAutoFit/>
+          </a:bodyPr>
+          <a:lstStyle/>
+          <a:p>
+            <a:r>
+              <a:rPr lang="en-US" sz="1050" spc="150" dirty="0" smtClean="0">
+                <a:solidFill>
+                  <a:srgbClr val="25456B"/>
+                </a:solidFill>
+                <a:latin typeface="MAW "/>
+                <a:cs typeface="MAW "/>
+              </a:rPr>
+              <a:t>Outfit </a:t>
+            </a:r>
+            <a:endParaRPr lang="en-US" sz="1050" spc="150" dirty="0">
+              <a:solidFill>
+                <a:srgbClr val="25456B"/>
+              </a:solidFill>
+              <a:latin typeface="MAW "/>
+              <a:cs typeface="MAW "/>
+            </a:endParaRPr>
+          </a:p>
+        </p:txBody>
+      </p:sp>
+      <p:sp>
+        <p:nvSpPr>
+          <p:cNvPr id="84" name="TextBox 83"/>
+          <p:cNvSpPr txBox="1"/>
+          <p:nvPr/>
+        </p:nvSpPr>
+        <p:spPr>
+          <a:xfrm>
+            <a:off x="2880352" y="2561277"/>
+            <a:ext cx="697627" cy="261610"/>
+          </a:xfrm>
+          <a:prstGeom prst="rect">
+            <a:avLst/>
+          </a:prstGeom>
+          <a:noFill/>
+        </p:spPr>
+        <p:txBody>
+          <a:bodyPr wrap="none" rtlCol="0">
+            <a:spAutoFit/>
+          </a:bodyPr>
+          <a:lstStyle/>
+          <a:p>
+            <a:r>
+              <a:rPr lang="en-US" sz="1050" spc="150" dirty="0" smtClean="0">
+                <a:solidFill>
+                  <a:srgbClr val="25456B"/>
+                </a:solidFill>
+                <a:latin typeface="MAW "/>
+                <a:cs typeface="MAW "/>
+              </a:rPr>
+              <a:t>Accessory</a:t>
+            </a:r>
+            <a:endParaRPr lang="en-US" sz="1050" spc="150" dirty="0">
+              <a:solidFill>
+                <a:srgbClr val="25456B"/>
+              </a:solidFill>
+              <a:latin typeface="MAW "/>
+              <a:cs typeface="MAW "/>
+            </a:endParaRPr>
+          </a:p>
+        </p:txBody>
+      </p:sp>
+      <p:sp>
+        <p:nvSpPr>
+          <p:cNvPr id="85" name="TextBox 84"/>
+          <p:cNvSpPr txBox="1"/>
+          <p:nvPr/>
+        </p:nvSpPr>
+        <p:spPr>
+          <a:xfrm>
+            <a:off x="6639976" y="2561118"/>
+            <a:ext cx="479618" cy="261610"/>
+          </a:xfrm>
+          <a:prstGeom prst="rect">
+            <a:avLst/>
+          </a:prstGeom>
+          <a:noFill/>
+        </p:spPr>
+        <p:txBody>
+          <a:bodyPr wrap="none" rtlCol="0">
+            <a:spAutoFit/>
+          </a:bodyPr>
+          <a:lstStyle/>
+          <a:p>
+            <a:r>
+              <a:rPr lang="en-US" sz="1050" spc="150" dirty="0" smtClean="0">
+                <a:solidFill>
+                  <a:srgbClr val="25456B"/>
+                </a:solidFill>
+                <a:latin typeface="MAW "/>
+                <a:cs typeface="MAW "/>
+              </a:rPr>
+              <a:t>Other</a:t>
+            </a:r>
+            <a:endParaRPr lang="en-US" sz="1050" spc="150" dirty="0">
+              <a:solidFill>
+                <a:srgbClr val="25456B"/>
+              </a:solidFill>
+              <a:latin typeface="MAW "/>
+              <a:cs typeface="MAW "/>
+            </a:endParaRPr>
+          </a:p>
+        </p:txBody>
+      </p:sp>
+      <p:sp>
+        <p:nvSpPr>
+          <p:cNvPr id="86" name="TextBox 85"/>
+          <p:cNvSpPr txBox="1"/>
+          <p:nvPr/>
+        </p:nvSpPr>
+        <p:spPr>
+          <a:xfrm>
+            <a:off x="6099124" y="2559279"/>
+            <a:ext cx="341667" cy="261610"/>
+          </a:xfrm>
+          <a:prstGeom prst="rect">
+            <a:avLst/>
+          </a:prstGeom>
+          <a:noFill/>
+        </p:spPr>
+        <p:txBody>
+          <a:bodyPr wrap="none" rtlCol="0">
+            <a:spAutoFit/>
+          </a:bodyPr>
+          <a:lstStyle/>
+          <a:p>
+            <a:r>
+              <a:rPr lang="en-US" sz="1050" spc="150" dirty="0" smtClean="0">
+                <a:solidFill>
+                  <a:srgbClr val="25456B"/>
+                </a:solidFill>
+                <a:latin typeface="MAW "/>
+                <a:cs typeface="MAW "/>
+              </a:rPr>
+              <a:t>Pet</a:t>
+            </a:r>
+            <a:endParaRPr lang="en-US" sz="1050" spc="150" dirty="0">
+              <a:solidFill>
+                <a:srgbClr val="25456B"/>
+              </a:solidFill>
+              <a:latin typeface="MAW "/>
+              <a:cs typeface="MAW "/>
+            </a:endParaRPr>
+          </a:p>
+        </p:txBody>
+      </p:sp>
+      <p:sp>
+        <p:nvSpPr>
+          <p:cNvPr id="87" name="TextBox 86"/>
+          <p:cNvSpPr txBox="1"/>
+          <p:nvPr/>
+        </p:nvSpPr>
+        <p:spPr>
+          <a:xfrm>
+            <a:off x="5310630" y="2564920"/>
+            <a:ext cx="774224" cy="253916"/>
+          </a:xfrm>
+          <a:prstGeom prst="rect">
+            <a:avLst/>
+          </a:prstGeom>
+          <a:noFill/>
+        </p:spPr>
+        <p:txBody>
+          <a:bodyPr wrap="square" rtlCol="0">
+            <a:spAutoFit/>
+          </a:bodyPr>
+          <a:lstStyle/>
+          <a:p>
+            <a:pPr algn="ctr"/>
+            <a:r>
+              <a:rPr lang="en-US" sz="1050" spc="150" dirty="0" smtClean="0">
+                <a:solidFill>
+                  <a:srgbClr val="25456B"/>
+                </a:solidFill>
+                <a:latin typeface="MAW "/>
+                <a:cs typeface="MAW "/>
+              </a:rPr>
+              <a:t>Home Decor</a:t>
+            </a:r>
+            <a:endParaRPr lang="en-US" sz="1050" spc="150" dirty="0">
+              <a:solidFill>
+                <a:srgbClr val="25456B"/>
+              </a:solidFill>
+              <a:latin typeface="MAW "/>
+              <a:cs typeface="MAW "/>
+            </a:endParaRPr>
+          </a:p>
+        </p:txBody>
+      </p:sp>
+      <p:sp>
+        <p:nvSpPr>
+          <p:cNvPr id="88" name="TextBox 87"/>
+          <p:cNvSpPr txBox="1"/>
+          <p:nvPr/>
+        </p:nvSpPr>
+        <p:spPr>
+          <a:xfrm>
+            <a:off x="4271435" y="2560677"/>
+            <a:ext cx="332218" cy="261610"/>
+          </a:xfrm>
+          <a:prstGeom prst="rect">
+            <a:avLst/>
+          </a:prstGeom>
+          <a:noFill/>
+        </p:spPr>
+        <p:txBody>
+          <a:bodyPr wrap="none" rtlCol="0">
+            <a:spAutoFit/>
+          </a:bodyPr>
+          <a:lstStyle/>
+          <a:p>
+            <a:r>
+              <a:rPr lang="en-US" sz="1050" spc="150" dirty="0" smtClean="0">
+                <a:solidFill>
+                  <a:srgbClr val="25456B"/>
+                </a:solidFill>
+                <a:latin typeface="MAW "/>
+                <a:cs typeface="MAW "/>
+              </a:rPr>
+              <a:t>Kid</a:t>
+            </a:r>
+            <a:endParaRPr lang="en-US" sz="1050" spc="150" dirty="0">
+              <a:solidFill>
+                <a:srgbClr val="25456B"/>
+              </a:solidFill>
+              <a:latin typeface="MAW "/>
+              <a:cs typeface="MAW "/>
+            </a:endParaRPr>
+          </a:p>
+        </p:txBody>
+      </p:sp>
+      <p:sp>
+        <p:nvSpPr>
+          <p:cNvPr id="89" name="TextBox 88"/>
+          <p:cNvSpPr txBox="1"/>
+          <p:nvPr/>
+        </p:nvSpPr>
+        <p:spPr>
+          <a:xfrm>
+            <a:off x="3667069" y="2560169"/>
+            <a:ext cx="348015" cy="261610"/>
+          </a:xfrm>
+          <a:prstGeom prst="rect">
+            <a:avLst/>
+          </a:prstGeom>
+          <a:noFill/>
+        </p:spPr>
+        <p:txBody>
+          <a:bodyPr wrap="none" rtlCol="0">
+            <a:spAutoFit/>
+          </a:bodyPr>
+          <a:lstStyle/>
+          <a:p>
+            <a:r>
+              <a:rPr lang="en-US" sz="1050" spc="150" dirty="0" smtClean="0">
+                <a:solidFill>
+                  <a:srgbClr val="25456B"/>
+                </a:solidFill>
+                <a:latin typeface="MAW "/>
+                <a:cs typeface="MAW "/>
+              </a:rPr>
+              <a:t>Gift</a:t>
+            </a:r>
+            <a:endParaRPr lang="en-US" sz="1050" spc="150" dirty="0">
+              <a:solidFill>
+                <a:srgbClr val="25456B"/>
+              </a:solidFill>
+              <a:latin typeface="MAW "/>
+              <a:cs typeface="MAW "/>
+            </a:endParaRPr>
+          </a:p>
+        </p:txBody>
+      </p:sp>
+      <p:sp>
+        <p:nvSpPr>
+          <p:cNvPr id="8" name="Oval 7"/>
+          <p:cNvSpPr/>
+          <p:nvPr/>
+        </p:nvSpPr>
+        <p:spPr>
+          <a:xfrm>
+            <a:off x="502074" y="598659"/>
+            <a:ext cx="173439" cy="167848"/>
+          </a:xfrm>
+          <a:prstGeom prst="ellipse">
+            <a:avLst/>
+          </a:prstGeom>
+          <a:solidFill>
+            <a:srgbClr val="FCCB55"/>
+          </a:solidFill>
+          <a:ln>
+            <a:noFill/>
+          </a:ln>
+          <a:effectLst/>
+        </p:spPr>
+        <p:style>
+          <a:lnRef idx="1">
+            <a:schemeClr val="accent1"/>
+          </a:lnRef>
+          <a:fillRef idx="3">
+            <a:schemeClr val="accent1"/>
+          </a:fillRef>
+          <a:effectRef idx="2">
+            <a:schemeClr val="accent1"/>
+          </a:effectRef>
+          <a:fontRef idx="minor">
+            <a:schemeClr val="lt1"/>
+          </a:fontRef>
+        </p:style>
+        <p:txBody>
+          <a:bodyPr rtlCol="0" anchor="ctr"/>
+          <a:lstStyle/>
+          <a:p>
+            <a:pPr algn="ctr"/>
+            <a:endParaRPr lang="en-US"/>
+          </a:p>
+        </p:txBody>
+      </p:sp>
+      <p:sp>
+        <p:nvSpPr>
+          <p:cNvPr id="90" name="TextBox 89"/>
+          <p:cNvSpPr txBox="1"/>
+          <p:nvPr/>
+        </p:nvSpPr>
+        <p:spPr>
+          <a:xfrm>
+            <a:off x="4787494" y="2562347"/>
+            <a:ext cx="540848" cy="261610"/>
+          </a:xfrm>
+          <a:prstGeom prst="rect">
+            <a:avLst/>
+          </a:prstGeom>
+          <a:noFill/>
+        </p:spPr>
+        <p:txBody>
+          <a:bodyPr wrap="none" rtlCol="0">
+            <a:spAutoFit/>
+          </a:bodyPr>
+          <a:lstStyle/>
+          <a:p>
+            <a:r>
+              <a:rPr lang="en-US" sz="1050" spc="150" dirty="0" smtClean="0">
+                <a:solidFill>
+                  <a:srgbClr val="25456B"/>
+                </a:solidFill>
+                <a:latin typeface="MAW "/>
+                <a:cs typeface="MAW "/>
+              </a:rPr>
+              <a:t>Garden</a:t>
+            </a:r>
+            <a:endParaRPr lang="en-US" sz="1050" spc="150" dirty="0">
+              <a:solidFill>
+                <a:srgbClr val="25456B"/>
+              </a:solidFill>
+              <a:latin typeface="MAW "/>
+              <a:cs typeface="MAW "/>
+            </a:endParaRPr>
+          </a:p>
+        </p:txBody>
+      </p:sp>
+      <p:sp>
+        <p:nvSpPr>
+          <p:cNvPr id="9" name="Oval 8"/>
+          <p:cNvSpPr/>
+          <p:nvPr/>
+        </p:nvSpPr>
+        <p:spPr>
+          <a:xfrm>
+            <a:off x="739853" y="598659"/>
+            <a:ext cx="173439" cy="167848"/>
+          </a:xfrm>
+          <a:prstGeom prst="ellipse">
+            <a:avLst/>
+          </a:prstGeom>
+          <a:solidFill>
+            <a:srgbClr val="00AC5A"/>
+          </a:solidFill>
+          <a:ln>
+            <a:noFill/>
+          </a:ln>
+          <a:effectLst/>
+        </p:spPr>
+        <p:style>
+          <a:lnRef idx="1">
+            <a:schemeClr val="accent1"/>
+          </a:lnRef>
+          <a:fillRef idx="3">
+            <a:schemeClr val="accent1"/>
+          </a:fillRef>
+          <a:effectRef idx="2">
+            <a:schemeClr val="accent1"/>
+          </a:effectRef>
+          <a:fontRef idx="minor">
+            <a:schemeClr val="lt1"/>
+          </a:fontRef>
+        </p:style>
+        <p:txBody>
+          <a:bodyPr rtlCol="0" anchor="ctr"/>
+          <a:lstStyle/>
+          <a:p>
+            <a:pPr algn="ctr"/>
+            <a:endParaRPr lang="en-US"/>
+          </a:p>
+        </p:txBody>
+      </p:sp>
+      <p:sp>
+        <p:nvSpPr>
+          <p:cNvPr id="6" name="Isosceles Triangle 5"/>
+          <p:cNvSpPr/>
+          <p:nvPr/>
+        </p:nvSpPr>
+        <p:spPr>
+          <a:xfrm>
+            <a:off x="4205005" y="1388018"/>
+            <a:ext cx="338529" cy="206357"/>
+          </a:xfrm>
+          <a:prstGeom prst="triangle">
+            <a:avLst/>
+          </a:prstGeom>
+          <a:solidFill>
+            <a:srgbClr val="E4E4E4"/>
+          </a:solidFill>
+          <a:ln>
+            <a:noFill/>
+          </a:ln>
+          <a:effectLst/>
+        </p:spPr>
+        <p:style>
+          <a:lnRef idx="1">
+            <a:schemeClr val="accent1"/>
+          </a:lnRef>
+          <a:fillRef idx="3">
+            <a:schemeClr val="accent1"/>
+          </a:fillRef>
+          <a:effectRef idx="2">
+            <a:schemeClr val="accent1"/>
+          </a:effectRef>
+          <a:fontRef idx="minor">
+            <a:schemeClr val="lt1"/>
+          </a:fontRef>
+        </p:style>
+        <p:txBody>
+          <a:bodyPr rtlCol="0" anchor="ctr"/>
+          <a:lstStyle/>
+          <a:p>
+            <a:pPr algn="ctr"/>
+            <a:endParaRPr lang="en-US"/>
+          </a:p>
+        </p:txBody>
+      </p:sp>
+      <p:sp>
+        <p:nvSpPr>
+          <p:cNvPr id="91" name="Rounded Rectangle 90"/>
+          <p:cNvSpPr/>
+          <p:nvPr/>
+        </p:nvSpPr>
+        <p:spPr>
+          <a:xfrm>
+            <a:off x="7212503" y="1085664"/>
+            <a:ext cx="728750" cy="257672"/>
+          </a:xfrm>
+          <a:prstGeom prst="roundRect">
+            <a:avLst/>
+          </a:prstGeom>
+          <a:solidFill>
+            <a:srgbClr val="FE6265"/>
+          </a:solidFill>
+          <a:ln>
+            <a:noFill/>
+          </a:ln>
+          <a:effectLst>
+            <a:outerShdw blurRad="50800" dist="38100" dir="2700000" algn="tl" rotWithShape="0">
+              <a:schemeClr val="tx1">
+                <a:lumMod val="85000"/>
+                <a:lumOff val="15000"/>
+                <a:alpha val="43000"/>
+              </a:schemeClr>
+            </a:outerShdw>
+          </a:effectLst>
+        </p:spPr>
+        <p:style>
+          <a:lnRef idx="1">
+            <a:schemeClr val="accent1"/>
+          </a:lnRef>
+          <a:fillRef idx="3">
+            <a:schemeClr val="accent1"/>
+          </a:fillRef>
+          <a:effectRef idx="2">
+            <a:schemeClr val="accent1"/>
+          </a:effectRef>
+          <a:fontRef idx="minor">
+            <a:schemeClr val="lt1"/>
+          </a:fontRef>
+        </p:style>
+        <p:txBody>
+          <a:bodyPr rtlCol="0" anchor="ctr"/>
+          <a:lstStyle/>
+          <a:p>
+            <a:pPr algn="ctr"/>
+            <a:r>
+              <a:rPr lang="en-US" sz="1100" dirty="0" smtClean="0">
+                <a:solidFill>
+                  <a:schemeClr val="bg1"/>
+                </a:solidFill>
+                <a:latin typeface="MAW "/>
+                <a:cs typeface="MAW "/>
+              </a:rPr>
+              <a:t>Log out</a:t>
+            </a:r>
+            <a:endParaRPr lang="en-US" sz="1100" dirty="0">
+              <a:solidFill>
+                <a:schemeClr val="bg1"/>
+              </a:solidFill>
+              <a:latin typeface="MAW "/>
+              <a:cs typeface="MAW "/>
+            </a:endParaRPr>
+          </a:p>
+        </p:txBody>
+      </p:sp>
+      <p:pic>
+        <p:nvPicPr>
+          <p:cNvPr id="3" name="Picture 2" descr="4.png"/>
+          <p:cNvPicPr>
+            <a:picLocks noChangeAspect="1"/>
+          </p:cNvPicPr>
+          <p:nvPr/>
+        </p:nvPicPr>
+        <p:blipFill>
+          <a:blip r:embed="rId7">
+            <a:extLst>
+              <a:ext uri="{28A0092B-C50C-407E-A947-70E740481C1C}">
+                <a14:useLocalDpi xmlns:a14="http://schemas.microsoft.com/office/drawing/2010/main" val="0"/>
+              </a:ext>
+            </a:extLst>
+          </a:blip>
+          <a:stretch>
+            <a:fillRect/>
+          </a:stretch>
+        </p:blipFill>
+        <p:spPr>
+          <a:xfrm>
+            <a:off x="1182718" y="840343"/>
+            <a:ext cx="2511519" cy="752416"/>
+          </a:xfrm>
+          <a:prstGeom prst="rect">
+            <a:avLst/>
+          </a:prstGeom>
+        </p:spPr>
+      </p:pic>
+      <p:sp>
+        <p:nvSpPr>
+          <p:cNvPr id="94" name="Donut 93"/>
+          <p:cNvSpPr/>
+          <p:nvPr/>
+        </p:nvSpPr>
+        <p:spPr>
+          <a:xfrm>
+            <a:off x="6015583" y="1746999"/>
+            <a:ext cx="261979" cy="264991"/>
+          </a:xfrm>
+          <a:prstGeom prst="donut">
+            <a:avLst/>
+          </a:prstGeom>
+          <a:solidFill>
+            <a:schemeClr val="bg1">
+              <a:lumMod val="65000"/>
+            </a:schemeClr>
+          </a:solidFill>
+          <a:ln>
+            <a:noFill/>
+          </a:ln>
+          <a:effectLst>
+            <a:outerShdw blurRad="50800" dist="38100" dir="2700000" algn="tl" rotWithShape="0">
+              <a:srgbClr val="000000">
+                <a:alpha val="43000"/>
+              </a:srgbClr>
+            </a:outerShdw>
+          </a:effectLst>
+        </p:spPr>
+        <p:style>
+          <a:lnRef idx="1">
+            <a:schemeClr val="accent1"/>
+          </a:lnRef>
+          <a:fillRef idx="3">
+            <a:schemeClr val="accent1"/>
+          </a:fillRef>
+          <a:effectRef idx="2">
+            <a:schemeClr val="accent1"/>
+          </a:effectRef>
+          <a:fontRef idx="minor">
+            <a:schemeClr val="lt1"/>
+          </a:fontRef>
+        </p:style>
+        <p:txBody>
+          <a:bodyPr rtlCol="0" anchor="ctr"/>
+          <a:lstStyle/>
+          <a:p>
+            <a:pPr algn="ctr"/>
+            <a:endParaRPr lang="en-US">
+              <a:solidFill>
+                <a:schemeClr val="tx1"/>
+              </a:solidFill>
+            </a:endParaRPr>
+          </a:p>
+        </p:txBody>
+      </p:sp>
+      <p:sp>
+        <p:nvSpPr>
+          <p:cNvPr id="95" name="Rounded Rectangle 94"/>
+          <p:cNvSpPr/>
+          <p:nvPr/>
+        </p:nvSpPr>
+        <p:spPr>
+          <a:xfrm rot="2586247">
+            <a:off x="6195848" y="1963873"/>
+            <a:ext cx="144143" cy="54798"/>
+          </a:xfrm>
+          <a:prstGeom prst="roundRect">
+            <a:avLst/>
+          </a:prstGeom>
+          <a:solidFill>
+            <a:schemeClr val="bg1">
+              <a:lumMod val="65000"/>
+            </a:schemeClr>
+          </a:solidFill>
+          <a:ln>
+            <a:noFill/>
+          </a:ln>
+          <a:effectLst>
+            <a:outerShdw blurRad="111125" dist="38100" dir="2700000" sx="89000" sy="89000" algn="tl" rotWithShape="0">
+              <a:schemeClr val="tx1">
+                <a:lumMod val="95000"/>
+                <a:lumOff val="5000"/>
+                <a:alpha val="43000"/>
+              </a:schemeClr>
+            </a:outerShdw>
+          </a:effectLst>
+        </p:spPr>
+        <p:style>
+          <a:lnRef idx="1">
+            <a:schemeClr val="accent1"/>
+          </a:lnRef>
+          <a:fillRef idx="3">
+            <a:schemeClr val="accent1"/>
+          </a:fillRef>
+          <a:effectRef idx="2">
+            <a:schemeClr val="accent1"/>
+          </a:effectRef>
+          <a:fontRef idx="minor">
+            <a:schemeClr val="lt1"/>
+          </a:fontRef>
+        </p:style>
+        <p:txBody>
+          <a:bodyPr rtlCol="0" anchor="ctr"/>
+          <a:lstStyle/>
+          <a:p>
+            <a:pPr algn="ctr"/>
+            <a:endParaRPr lang="en-US"/>
+          </a:p>
+        </p:txBody>
+      </p:sp>
+      <p:sp>
+        <p:nvSpPr>
+          <p:cNvPr id="96" name="Rounded Rectangle 95"/>
+          <p:cNvSpPr/>
+          <p:nvPr/>
+        </p:nvSpPr>
+        <p:spPr>
+          <a:xfrm>
+            <a:off x="6366874" y="1773645"/>
+            <a:ext cx="1373094" cy="257672"/>
+          </a:xfrm>
+          <a:prstGeom prst="roundRect">
+            <a:avLst/>
+          </a:prstGeom>
+          <a:solidFill>
+            <a:schemeClr val="bg1"/>
+          </a:solidFill>
+          <a:ln>
+            <a:noFill/>
+          </a:ln>
+          <a:effectLst>
+            <a:outerShdw blurRad="28575" dist="38100" dir="2700000" algn="tl" rotWithShape="0">
+              <a:schemeClr val="tx1">
+                <a:lumMod val="65000"/>
+                <a:lumOff val="35000"/>
+                <a:alpha val="43000"/>
+              </a:schemeClr>
+            </a:outerShdw>
+          </a:effectLst>
+        </p:spPr>
+        <p:style>
+          <a:lnRef idx="1">
+            <a:schemeClr val="accent1"/>
+          </a:lnRef>
+          <a:fillRef idx="3">
+            <a:schemeClr val="accent1"/>
+          </a:fillRef>
+          <a:effectRef idx="2">
+            <a:schemeClr val="accent1"/>
+          </a:effectRef>
+          <a:fontRef idx="minor">
+            <a:schemeClr val="lt1"/>
+          </a:fontRef>
+        </p:style>
+        <p:txBody>
+          <a:bodyPr rtlCol="0" anchor="ctr"/>
+          <a:lstStyle/>
+          <a:p>
+            <a:pPr algn="ctr"/>
+            <a:r>
+              <a:rPr lang="en-US" sz="1100" i="1" spc="1000" dirty="0" smtClean="0">
+                <a:solidFill>
+                  <a:srgbClr val="25456B"/>
+                </a:solidFill>
+                <a:latin typeface="+mj-lt"/>
+                <a:cs typeface="MAW "/>
+              </a:rPr>
+              <a:t>…Search…</a:t>
+            </a:r>
+            <a:endParaRPr lang="en-US" sz="1100" i="1" spc="1000" dirty="0">
+              <a:solidFill>
+                <a:srgbClr val="25456B"/>
+              </a:solidFill>
+              <a:latin typeface="+mj-lt"/>
+              <a:cs typeface="MAW "/>
+            </a:endParaRPr>
+          </a:p>
+        </p:txBody>
+      </p:sp>
+      <p:pic>
+        <p:nvPicPr>
+          <p:cNvPr id="98" name="Picture 97" descr="gift2.png"/>
+          <p:cNvPicPr>
+            <a:picLocks noChangeAspect="1"/>
+          </p:cNvPicPr>
+          <p:nvPr/>
+        </p:nvPicPr>
+        <p:blipFill>
+          <a:blip r:embed="rId8">
+            <a:extLst>
+              <a:ext uri="{28A0092B-C50C-407E-A947-70E740481C1C}">
+                <a14:useLocalDpi xmlns:a14="http://schemas.microsoft.com/office/drawing/2010/main" val="0"/>
+              </a:ext>
+            </a:extLst>
+          </a:blip>
+          <a:stretch>
+            <a:fillRect/>
+          </a:stretch>
+        </p:blipFill>
+        <p:spPr>
+          <a:xfrm>
+            <a:off x="3542855" y="2109002"/>
+            <a:ext cx="555734" cy="555734"/>
+          </a:xfrm>
+          <a:prstGeom prst="rect">
+            <a:avLst/>
+          </a:prstGeom>
+          <a:effectLst>
+            <a:outerShdw blurRad="12700" dist="50800" dir="660000" sx="96000" sy="96000" algn="tl" rotWithShape="0">
+              <a:schemeClr val="bg1">
+                <a:lumMod val="85000"/>
+                <a:alpha val="79000"/>
+              </a:schemeClr>
+            </a:outerShdw>
+          </a:effectLst>
+        </p:spPr>
+      </p:pic>
+      <p:pic>
+        <p:nvPicPr>
+          <p:cNvPr id="99" name="Picture 98" descr="garden1.png"/>
+          <p:cNvPicPr>
+            <a:picLocks noChangeAspect="1"/>
+          </p:cNvPicPr>
+          <p:nvPr/>
+        </p:nvPicPr>
+        <p:blipFill>
+          <a:blip r:embed="rId9">
+            <a:extLst>
+              <a:ext uri="{28A0092B-C50C-407E-A947-70E740481C1C}">
+                <a14:useLocalDpi xmlns:a14="http://schemas.microsoft.com/office/drawing/2010/main" val="0"/>
+              </a:ext>
+            </a:extLst>
+          </a:blip>
+          <a:stretch>
+            <a:fillRect/>
+          </a:stretch>
+        </p:blipFill>
+        <p:spPr>
+          <a:xfrm>
+            <a:off x="4732587" y="2088626"/>
+            <a:ext cx="603359" cy="603359"/>
+          </a:xfrm>
+          <a:prstGeom prst="rect">
+            <a:avLst/>
+          </a:prstGeom>
+          <a:effectLst>
+            <a:outerShdw blurRad="12700" dist="50800" dir="660000" sx="96000" sy="96000" algn="tl" rotWithShape="0">
+              <a:schemeClr val="bg1">
+                <a:lumMod val="85000"/>
+                <a:alpha val="79000"/>
+              </a:schemeClr>
+            </a:outerShdw>
+          </a:effectLst>
+        </p:spPr>
+      </p:pic>
+      <p:pic>
+        <p:nvPicPr>
+          <p:cNvPr id="100" name="Picture 99" descr="home1.png"/>
+          <p:cNvPicPr>
+            <a:picLocks noChangeAspect="1"/>
+          </p:cNvPicPr>
+          <p:nvPr/>
+        </p:nvPicPr>
+        <p:blipFill>
+          <a:blip r:embed="rId10">
+            <a:extLst>
+              <a:ext uri="{28A0092B-C50C-407E-A947-70E740481C1C}">
+                <a14:useLocalDpi xmlns:a14="http://schemas.microsoft.com/office/drawing/2010/main" val="0"/>
+              </a:ext>
+            </a:extLst>
+          </a:blip>
+          <a:stretch>
+            <a:fillRect/>
+          </a:stretch>
+        </p:blipFill>
+        <p:spPr>
+          <a:xfrm>
+            <a:off x="5316453" y="2072539"/>
+            <a:ext cx="630852" cy="630852"/>
+          </a:xfrm>
+          <a:prstGeom prst="rect">
+            <a:avLst/>
+          </a:prstGeom>
+          <a:effectLst>
+            <a:outerShdw blurRad="12700" dist="50800" dir="660000" sx="96000" sy="96000" algn="tl" rotWithShape="0">
+              <a:schemeClr val="bg1">
+                <a:lumMod val="85000"/>
+                <a:alpha val="79000"/>
+              </a:schemeClr>
+            </a:outerShdw>
+          </a:effectLst>
+        </p:spPr>
+      </p:pic>
+      <p:pic>
+        <p:nvPicPr>
+          <p:cNvPr id="101" name="Picture 100" descr="accessories1.png"/>
+          <p:cNvPicPr>
+            <a:picLocks noChangeAspect="1"/>
+          </p:cNvPicPr>
+          <p:nvPr/>
+        </p:nvPicPr>
+        <p:blipFill>
+          <a:blip r:embed="rId11">
+            <a:extLst>
+              <a:ext uri="{28A0092B-C50C-407E-A947-70E740481C1C}">
+                <a14:useLocalDpi xmlns:a14="http://schemas.microsoft.com/office/drawing/2010/main" val="0"/>
+              </a:ext>
+            </a:extLst>
+          </a:blip>
+          <a:stretch>
+            <a:fillRect/>
+          </a:stretch>
+        </p:blipFill>
+        <p:spPr>
+          <a:xfrm>
+            <a:off x="2923621" y="2115443"/>
+            <a:ext cx="555734" cy="555734"/>
+          </a:xfrm>
+          <a:prstGeom prst="rect">
+            <a:avLst/>
+          </a:prstGeom>
+          <a:effectLst>
+            <a:outerShdw blurRad="12700" dist="50800" dir="660000" sx="96000" sy="96000" algn="tl" rotWithShape="0">
+              <a:schemeClr val="bg1">
+                <a:lumMod val="85000"/>
+                <a:alpha val="79000"/>
+              </a:schemeClr>
+            </a:outerShdw>
+          </a:effectLst>
+        </p:spPr>
+      </p:pic>
+      <p:pic>
+        <p:nvPicPr>
+          <p:cNvPr id="102" name="Picture 101" descr="kid1.png"/>
+          <p:cNvPicPr>
+            <a:picLocks noChangeAspect="1"/>
+          </p:cNvPicPr>
+          <p:nvPr/>
+        </p:nvPicPr>
+        <p:blipFill>
+          <a:blip r:embed="rId12">
+            <a:extLst>
+              <a:ext uri="{28A0092B-C50C-407E-A947-70E740481C1C}">
+                <a14:useLocalDpi xmlns:a14="http://schemas.microsoft.com/office/drawing/2010/main" val="0"/>
+              </a:ext>
+            </a:extLst>
+          </a:blip>
+          <a:stretch>
+            <a:fillRect/>
+          </a:stretch>
+        </p:blipFill>
+        <p:spPr>
+          <a:xfrm>
+            <a:off x="4131273" y="2115443"/>
+            <a:ext cx="555734" cy="555734"/>
+          </a:xfrm>
+          <a:prstGeom prst="rect">
+            <a:avLst/>
+          </a:prstGeom>
+          <a:effectLst>
+            <a:outerShdw blurRad="12700" dist="50800" dir="660000" sx="96000" sy="96000" algn="tl" rotWithShape="0">
+              <a:schemeClr val="bg1">
+                <a:lumMod val="85000"/>
+                <a:alpha val="79000"/>
+              </a:schemeClr>
+            </a:outerShdw>
+          </a:effectLst>
+        </p:spPr>
+      </p:pic>
+      <p:pic>
+        <p:nvPicPr>
+          <p:cNvPr id="103" name="Picture 102" descr="other2.png"/>
+          <p:cNvPicPr>
+            <a:picLocks noChangeAspect="1"/>
+          </p:cNvPicPr>
+          <p:nvPr/>
+        </p:nvPicPr>
+        <p:blipFill>
+          <a:blip r:embed="rId13">
+            <a:extLst>
+              <a:ext uri="{28A0092B-C50C-407E-A947-70E740481C1C}">
+                <a14:useLocalDpi xmlns:a14="http://schemas.microsoft.com/office/drawing/2010/main" val="0"/>
+              </a:ext>
+            </a:extLst>
+          </a:blip>
+          <a:stretch>
+            <a:fillRect/>
+          </a:stretch>
+        </p:blipFill>
+        <p:spPr>
+          <a:xfrm>
+            <a:off x="6525851" y="2061133"/>
+            <a:ext cx="645704" cy="645704"/>
+          </a:xfrm>
+          <a:prstGeom prst="rect">
+            <a:avLst/>
+          </a:prstGeom>
+          <a:effectLst>
+            <a:outerShdw blurRad="12700" dist="50800" dir="660000" sx="96000" sy="96000" algn="tl" rotWithShape="0">
+              <a:schemeClr val="bg1">
+                <a:lumMod val="85000"/>
+                <a:alpha val="79000"/>
+              </a:schemeClr>
+            </a:outerShdw>
+          </a:effectLst>
+        </p:spPr>
+      </p:pic>
+      <p:pic>
+        <p:nvPicPr>
+          <p:cNvPr id="104" name="Picture 103" descr="pet1.png"/>
+          <p:cNvPicPr>
+            <a:picLocks noChangeAspect="1"/>
+          </p:cNvPicPr>
+          <p:nvPr/>
+        </p:nvPicPr>
+        <p:blipFill>
+          <a:blip r:embed="rId14">
+            <a:extLst>
+              <a:ext uri="{28A0092B-C50C-407E-A947-70E740481C1C}">
+                <a14:useLocalDpi xmlns:a14="http://schemas.microsoft.com/office/drawing/2010/main" val="0"/>
+              </a:ext>
+            </a:extLst>
+          </a:blip>
+          <a:stretch>
+            <a:fillRect/>
+          </a:stretch>
+        </p:blipFill>
+        <p:spPr>
+          <a:xfrm>
+            <a:off x="5958905" y="2087747"/>
+            <a:ext cx="583227" cy="583227"/>
+          </a:xfrm>
+          <a:prstGeom prst="rect">
+            <a:avLst/>
+          </a:prstGeom>
+          <a:effectLst>
+            <a:outerShdw blurRad="12700" dist="50800" dir="660000" sx="96000" sy="96000" algn="tl" rotWithShape="0">
+              <a:schemeClr val="bg1">
+                <a:lumMod val="85000"/>
+                <a:alpha val="79000"/>
+              </a:schemeClr>
+            </a:outerShdw>
+          </a:effectLst>
+        </p:spPr>
+      </p:pic>
+      <p:pic>
+        <p:nvPicPr>
+          <p:cNvPr id="105" name="Picture 104" descr="clothes1.png"/>
+          <p:cNvPicPr>
+            <a:picLocks noChangeAspect="1"/>
+          </p:cNvPicPr>
+          <p:nvPr/>
+        </p:nvPicPr>
+        <p:blipFill>
+          <a:blip r:embed="rId15">
+            <a:extLst>
+              <a:ext uri="{28A0092B-C50C-407E-A947-70E740481C1C}">
+                <a14:useLocalDpi xmlns:a14="http://schemas.microsoft.com/office/drawing/2010/main" val="0"/>
+              </a:ext>
+            </a:extLst>
+          </a:blip>
+          <a:stretch>
+            <a:fillRect/>
+          </a:stretch>
+        </p:blipFill>
+        <p:spPr>
+          <a:xfrm>
+            <a:off x="2299460" y="2115443"/>
+            <a:ext cx="555734" cy="555734"/>
+          </a:xfrm>
+          <a:prstGeom prst="rect">
+            <a:avLst/>
+          </a:prstGeom>
+          <a:effectLst>
+            <a:outerShdw blurRad="12700" dist="50800" dir="660000" sx="96000" sy="96000" algn="tl" rotWithShape="0">
+              <a:schemeClr val="bg1">
+                <a:lumMod val="85000"/>
+                <a:alpha val="79000"/>
+              </a:schemeClr>
+            </a:outerShdw>
+          </a:effectLst>
+        </p:spPr>
+      </p:pic>
+      <p:sp>
+        <p:nvSpPr>
+          <p:cNvPr id="108" name="Heart 107"/>
+          <p:cNvSpPr/>
+          <p:nvPr/>
+        </p:nvSpPr>
+        <p:spPr>
+          <a:xfrm>
+            <a:off x="3645394" y="6013060"/>
+            <a:ext cx="187714" cy="184578"/>
+          </a:xfrm>
+          <a:prstGeom prst="heart">
+            <a:avLst/>
+          </a:prstGeom>
+          <a:solidFill>
+            <a:srgbClr val="FE3F4D"/>
+          </a:solidFill>
+          <a:ln>
+            <a:noFill/>
+          </a:ln>
+          <a:effectLst/>
+        </p:spPr>
+        <p:style>
+          <a:lnRef idx="1">
+            <a:schemeClr val="accent1"/>
+          </a:lnRef>
+          <a:fillRef idx="3">
+            <a:schemeClr val="accent1"/>
+          </a:fillRef>
+          <a:effectRef idx="2">
+            <a:schemeClr val="accent1"/>
+          </a:effectRef>
+          <a:fontRef idx="minor">
+            <a:schemeClr val="lt1"/>
+          </a:fontRef>
+        </p:style>
+        <p:txBody>
+          <a:bodyPr rtlCol="0" anchor="ctr"/>
+          <a:lstStyle/>
+          <a:p>
+            <a:pPr algn="ctr"/>
+            <a:endParaRPr lang="en-US"/>
+          </a:p>
+        </p:txBody>
+      </p:sp>
+      <p:sp>
+        <p:nvSpPr>
+          <p:cNvPr id="109" name="TextBox 108"/>
+          <p:cNvSpPr txBox="1"/>
+          <p:nvPr/>
+        </p:nvSpPr>
+        <p:spPr>
+          <a:xfrm>
+            <a:off x="3790104" y="5928768"/>
+            <a:ext cx="392656" cy="338554"/>
+          </a:xfrm>
+          <a:prstGeom prst="rect">
+            <a:avLst/>
+          </a:prstGeom>
+          <a:noFill/>
+        </p:spPr>
+        <p:txBody>
+          <a:bodyPr wrap="none" rtlCol="0">
+            <a:spAutoFit/>
+          </a:bodyPr>
+          <a:lstStyle/>
+          <a:p>
+            <a:r>
+              <a:rPr lang="en-US" sz="1600" b="1" dirty="0" smtClean="0">
+                <a:solidFill>
+                  <a:srgbClr val="000000"/>
+                </a:solidFill>
+              </a:rPr>
+              <a:t>55</a:t>
+            </a:r>
+            <a:endParaRPr lang="en-US" sz="1600" b="1" dirty="0">
+              <a:solidFill>
+                <a:srgbClr val="000000"/>
+              </a:solidFill>
+            </a:endParaRPr>
+          </a:p>
+        </p:txBody>
+      </p:sp>
+      <p:sp>
+        <p:nvSpPr>
+          <p:cNvPr id="110" name="Heart 109"/>
+          <p:cNvSpPr/>
+          <p:nvPr/>
+        </p:nvSpPr>
+        <p:spPr>
+          <a:xfrm>
+            <a:off x="6879114" y="6007301"/>
+            <a:ext cx="187714" cy="184578"/>
+          </a:xfrm>
+          <a:prstGeom prst="heart">
+            <a:avLst/>
+          </a:prstGeom>
+          <a:solidFill>
+            <a:srgbClr val="FE3F4D"/>
+          </a:solidFill>
+          <a:ln>
+            <a:noFill/>
+          </a:ln>
+          <a:effectLst/>
+        </p:spPr>
+        <p:style>
+          <a:lnRef idx="1">
+            <a:schemeClr val="accent1"/>
+          </a:lnRef>
+          <a:fillRef idx="3">
+            <a:schemeClr val="accent1"/>
+          </a:fillRef>
+          <a:effectRef idx="2">
+            <a:schemeClr val="accent1"/>
+          </a:effectRef>
+          <a:fontRef idx="minor">
+            <a:schemeClr val="lt1"/>
+          </a:fontRef>
+        </p:style>
+        <p:txBody>
+          <a:bodyPr rtlCol="0" anchor="ctr"/>
+          <a:lstStyle/>
+          <a:p>
+            <a:pPr algn="ctr"/>
+            <a:endParaRPr lang="en-US"/>
+          </a:p>
+        </p:txBody>
+      </p:sp>
+      <p:sp>
+        <p:nvSpPr>
+          <p:cNvPr id="111" name="TextBox 110"/>
+          <p:cNvSpPr txBox="1"/>
+          <p:nvPr/>
+        </p:nvSpPr>
+        <p:spPr>
+          <a:xfrm>
+            <a:off x="7023824" y="5923009"/>
+            <a:ext cx="392656" cy="338554"/>
+          </a:xfrm>
+          <a:prstGeom prst="rect">
+            <a:avLst/>
+          </a:prstGeom>
+          <a:noFill/>
+        </p:spPr>
+        <p:txBody>
+          <a:bodyPr wrap="none" rtlCol="0">
+            <a:spAutoFit/>
+          </a:bodyPr>
+          <a:lstStyle/>
+          <a:p>
+            <a:r>
+              <a:rPr lang="en-US" sz="1600" b="1" dirty="0" smtClean="0">
+                <a:solidFill>
+                  <a:srgbClr val="000000"/>
+                </a:solidFill>
+              </a:rPr>
+              <a:t>55</a:t>
+            </a:r>
+            <a:endParaRPr lang="en-US" sz="1600" b="1" dirty="0">
+              <a:solidFill>
+                <a:srgbClr val="000000"/>
+              </a:solidFill>
+            </a:endParaRPr>
+          </a:p>
+        </p:txBody>
+      </p:sp>
+      <p:pic>
+        <p:nvPicPr>
+          <p:cNvPr id="12" name="Picture 11" descr="Screen Shot 2557-12-13 at 4.07.25 PM.png"/>
+          <p:cNvPicPr>
+            <a:picLocks noChangeAspect="1"/>
+          </p:cNvPicPr>
+          <p:nvPr/>
+        </p:nvPicPr>
+        <p:blipFill>
+          <a:blip r:embed="rId16">
+            <a:extLst>
+              <a:ext uri="{28A0092B-C50C-407E-A947-70E740481C1C}">
+                <a14:useLocalDpi xmlns:a14="http://schemas.microsoft.com/office/drawing/2010/main" val="0"/>
+              </a:ext>
+            </a:extLst>
+          </a:blip>
+          <a:stretch>
+            <a:fillRect/>
+          </a:stretch>
+        </p:blipFill>
+        <p:spPr>
+          <a:xfrm>
+            <a:off x="5033294" y="2955413"/>
+            <a:ext cx="2319222" cy="2926637"/>
+          </a:xfrm>
+          <a:prstGeom prst="rect">
+            <a:avLst/>
+          </a:prstGeom>
+        </p:spPr>
+      </p:pic>
+      <p:pic>
+        <p:nvPicPr>
+          <p:cNvPr id="14" name="Picture 13" descr="902f03a4d9e1b7458c3a3a83814091de.jpg"/>
+          <p:cNvPicPr>
+            <a:picLocks noChangeAspect="1"/>
+          </p:cNvPicPr>
+          <p:nvPr/>
+        </p:nvPicPr>
+        <p:blipFill>
+          <a:blip r:embed="rId17">
+            <a:extLst>
+              <a:ext uri="{28A0092B-C50C-407E-A947-70E740481C1C}">
+                <a14:useLocalDpi xmlns:a14="http://schemas.microsoft.com/office/drawing/2010/main" val="0"/>
+              </a:ext>
+            </a:extLst>
+          </a:blip>
+          <a:stretch>
+            <a:fillRect/>
+          </a:stretch>
+        </p:blipFill>
+        <p:spPr>
+          <a:xfrm>
+            <a:off x="1936312" y="2966597"/>
+            <a:ext cx="2113671" cy="2910776"/>
+          </a:xfrm>
+          <a:prstGeom prst="rect">
+            <a:avLst/>
+          </a:prstGeom>
+        </p:spPr>
+      </p:pic>
+      <p:pic>
+        <p:nvPicPr>
+          <p:cNvPr id="16" name="Picture 15" descr="powe-symbol-2.png"/>
+          <p:cNvPicPr>
+            <a:picLocks noChangeAspect="1"/>
+          </p:cNvPicPr>
+          <p:nvPr/>
+        </p:nvPicPr>
+        <p:blipFill>
+          <a:blip r:embed="rId18">
+            <a:extLst>
+              <a:ext uri="{BEBA8EAE-BF5A-486C-A8C5-ECC9F3942E4B}">
+                <a14:imgProps xmlns:a14="http://schemas.microsoft.com/office/drawing/2010/main">
+                  <a14:imgLayer r:embed="rId19">
+                    <a14:imgEffect>
+                      <a14:brightnessContrast bright="100000" contrast="72000"/>
+                    </a14:imgEffect>
+                  </a14:imgLayer>
+                </a14:imgProps>
+              </a:ext>
+              <a:ext uri="{28A0092B-C50C-407E-A947-70E740481C1C}">
+                <a14:useLocalDpi xmlns:a14="http://schemas.microsoft.com/office/drawing/2010/main" val="0"/>
+              </a:ext>
+            </a:extLst>
+          </a:blip>
+          <a:stretch>
+            <a:fillRect/>
+          </a:stretch>
+        </p:blipFill>
+        <p:spPr>
+          <a:xfrm>
+            <a:off x="6885431" y="1087436"/>
+            <a:ext cx="255899" cy="255899"/>
+          </a:xfrm>
+          <a:prstGeom prst="rect">
+            <a:avLst/>
+          </a:prstGeom>
+        </p:spPr>
+      </p:pic>
+    </p:spTree>
+    <p:extLst>
+      <p:ext uri="{BB962C8B-B14F-4D97-AF65-F5344CB8AC3E}">
+        <p14:creationId xmlns:p14="http://schemas.microsoft.com/office/powerpoint/2010/main" val="268624081"/>
+      </p:ext>
+    </p:extLst>
+  </p:cSld>
+  <p:clrMapOvr>
+    <a:masterClrMapping/>
+  </p:clrMapOvr>
+</p:sld>
+</file>
+
+<file path=ppt/slides/slide24.xml><?xml version="1.0" encoding="utf-8"?>
+<p:sld xmlns:a="http://schemas.openxmlformats.org/drawingml/2006/main" xmlns:r="http://schemas.openxmlformats.org/officeDocument/2006/relationships" xmlns:p="http://schemas.openxmlformats.org/presentationml/2006/main">
+  <p:cSld>
+    <p:spTree>
+      <p:nvGrpSpPr>
+        <p:cNvPr id="1" name=""/>
+        <p:cNvGrpSpPr/>
+        <p:nvPr/>
+      </p:nvGrpSpPr>
+      <p:grpSpPr>
+        <a:xfrm>
+          <a:off x="0" y="0"/>
+          <a:ext cx="0" cy="0"/>
+          <a:chOff x="0" y="0"/>
+          <a:chExt cx="0" cy="0"/>
+        </a:xfrm>
+      </p:grpSpPr>
+      <p:pic>
+        <p:nvPicPr>
+          <p:cNvPr id="2" name="Picture 1" descr="gift2.png"/>
+          <p:cNvPicPr>
+            <a:picLocks noChangeAspect="1"/>
+          </p:cNvPicPr>
+          <p:nvPr/>
+        </p:nvPicPr>
+        <p:blipFill>
+          <a:blip r:embed="rId2">
+            <a:extLst>
+              <a:ext uri="{28A0092B-C50C-407E-A947-70E740481C1C}">
+                <a14:useLocalDpi xmlns:a14="http://schemas.microsoft.com/office/drawing/2010/main" val="0"/>
+              </a:ext>
+            </a:extLst>
+          </a:blip>
+          <a:stretch>
+            <a:fillRect/>
+          </a:stretch>
+        </p:blipFill>
+        <p:spPr>
+          <a:xfrm>
+            <a:off x="1816390" y="1173749"/>
+            <a:ext cx="555734" cy="555734"/>
+          </a:xfrm>
+          <a:prstGeom prst="rect">
+            <a:avLst/>
+          </a:prstGeom>
+        </p:spPr>
+      </p:pic>
+      <p:pic>
+        <p:nvPicPr>
+          <p:cNvPr id="4" name="Picture 3" descr="garden1.png"/>
+          <p:cNvPicPr>
+            <a:picLocks noChangeAspect="1"/>
+          </p:cNvPicPr>
+          <p:nvPr/>
+        </p:nvPicPr>
+        <p:blipFill>
+          <a:blip r:embed="rId3">
+            <a:extLst>
+              <a:ext uri="{28A0092B-C50C-407E-A947-70E740481C1C}">
+                <a14:useLocalDpi xmlns:a14="http://schemas.microsoft.com/office/drawing/2010/main" val="0"/>
+              </a:ext>
+            </a:extLst>
+          </a:blip>
+          <a:stretch>
+            <a:fillRect/>
+          </a:stretch>
+        </p:blipFill>
+        <p:spPr>
+          <a:xfrm>
+            <a:off x="2958497" y="1173749"/>
+            <a:ext cx="589669" cy="589669"/>
+          </a:xfrm>
+          <a:prstGeom prst="rect">
+            <a:avLst/>
+          </a:prstGeom>
+        </p:spPr>
+      </p:pic>
+      <p:pic>
+        <p:nvPicPr>
+          <p:cNvPr id="5" name="Picture 4" descr="home1.png"/>
+          <p:cNvPicPr>
+            <a:picLocks noChangeAspect="1"/>
+          </p:cNvPicPr>
+          <p:nvPr/>
+        </p:nvPicPr>
+        <p:blipFill>
+          <a:blip r:embed="rId4">
+            <a:extLst>
+              <a:ext uri="{28A0092B-C50C-407E-A947-70E740481C1C}">
+                <a14:useLocalDpi xmlns:a14="http://schemas.microsoft.com/office/drawing/2010/main" val="0"/>
+              </a:ext>
+            </a:extLst>
+          </a:blip>
+          <a:stretch>
+            <a:fillRect/>
+          </a:stretch>
+        </p:blipFill>
+        <p:spPr>
+          <a:xfrm>
+            <a:off x="3548166" y="1146256"/>
+            <a:ext cx="630852" cy="630852"/>
+          </a:xfrm>
+          <a:prstGeom prst="rect">
+            <a:avLst/>
+          </a:prstGeom>
+        </p:spPr>
+      </p:pic>
+      <p:pic>
+        <p:nvPicPr>
+          <p:cNvPr id="6" name="Picture 5" descr="accessories1.png"/>
+          <p:cNvPicPr>
+            <a:picLocks noChangeAspect="1"/>
+          </p:cNvPicPr>
+          <p:nvPr/>
+        </p:nvPicPr>
+        <p:blipFill>
+          <a:blip r:embed="rId5">
+            <a:extLst>
+              <a:ext uri="{28A0092B-C50C-407E-A947-70E740481C1C}">
+                <a14:useLocalDpi xmlns:a14="http://schemas.microsoft.com/office/drawing/2010/main" val="0"/>
+              </a:ext>
+            </a:extLst>
+          </a:blip>
+          <a:stretch>
+            <a:fillRect/>
+          </a:stretch>
+        </p:blipFill>
+        <p:spPr>
+          <a:xfrm>
+            <a:off x="1244781" y="1180190"/>
+            <a:ext cx="555734" cy="555734"/>
+          </a:xfrm>
+          <a:prstGeom prst="rect">
+            <a:avLst/>
+          </a:prstGeom>
+        </p:spPr>
+      </p:pic>
+      <p:pic>
+        <p:nvPicPr>
+          <p:cNvPr id="7" name="Picture 6" descr="kid1.png"/>
+          <p:cNvPicPr>
+            <a:picLocks noChangeAspect="1"/>
+          </p:cNvPicPr>
+          <p:nvPr/>
+        </p:nvPicPr>
+        <p:blipFill>
+          <a:blip r:embed="rId6">
+            <a:extLst>
+              <a:ext uri="{28A0092B-C50C-407E-A947-70E740481C1C}">
+                <a14:useLocalDpi xmlns:a14="http://schemas.microsoft.com/office/drawing/2010/main" val="0"/>
+              </a:ext>
+            </a:extLst>
+          </a:blip>
+          <a:stretch>
+            <a:fillRect/>
+          </a:stretch>
+        </p:blipFill>
+        <p:spPr>
+          <a:xfrm>
+            <a:off x="2341308" y="1180190"/>
+            <a:ext cx="555734" cy="555734"/>
+          </a:xfrm>
+          <a:prstGeom prst="rect">
+            <a:avLst/>
+          </a:prstGeom>
+        </p:spPr>
+      </p:pic>
+      <p:pic>
+        <p:nvPicPr>
+          <p:cNvPr id="8" name="Picture 7" descr="other2.png"/>
+          <p:cNvPicPr>
+            <a:picLocks noChangeAspect="1"/>
+          </p:cNvPicPr>
+          <p:nvPr/>
+        </p:nvPicPr>
+        <p:blipFill>
+          <a:blip r:embed="rId7">
+            <a:extLst>
+              <a:ext uri="{28A0092B-C50C-407E-A947-70E740481C1C}">
+                <a14:useLocalDpi xmlns:a14="http://schemas.microsoft.com/office/drawing/2010/main" val="0"/>
+              </a:ext>
+            </a:extLst>
+          </a:blip>
+          <a:stretch>
+            <a:fillRect/>
+          </a:stretch>
+        </p:blipFill>
+        <p:spPr>
+          <a:xfrm>
+            <a:off x="4777436" y="1131404"/>
+            <a:ext cx="645704" cy="645704"/>
+          </a:xfrm>
+          <a:prstGeom prst="rect">
+            <a:avLst/>
+          </a:prstGeom>
+        </p:spPr>
+      </p:pic>
+      <p:pic>
+        <p:nvPicPr>
+          <p:cNvPr id="9" name="Picture 8" descr="pet1.png"/>
+          <p:cNvPicPr>
+            <a:picLocks noChangeAspect="1"/>
+          </p:cNvPicPr>
+          <p:nvPr/>
+        </p:nvPicPr>
+        <p:blipFill>
+          <a:blip r:embed="rId8">
+            <a:extLst>
+              <a:ext uri="{28A0092B-C50C-407E-A947-70E740481C1C}">
+                <a14:useLocalDpi xmlns:a14="http://schemas.microsoft.com/office/drawing/2010/main" val="0"/>
+              </a:ext>
+            </a:extLst>
+          </a:blip>
+          <a:stretch>
+            <a:fillRect/>
+          </a:stretch>
+        </p:blipFill>
+        <p:spPr>
+          <a:xfrm>
+            <a:off x="4221702" y="1173749"/>
+            <a:ext cx="555734" cy="555734"/>
+          </a:xfrm>
+          <a:prstGeom prst="rect">
+            <a:avLst/>
+          </a:prstGeom>
+        </p:spPr>
+      </p:pic>
+      <p:pic>
+        <p:nvPicPr>
+          <p:cNvPr id="10" name="Picture 9" descr="clothes1.png"/>
+          <p:cNvPicPr>
+            <a:picLocks noChangeAspect="1"/>
+          </p:cNvPicPr>
+          <p:nvPr/>
+        </p:nvPicPr>
+        <p:blipFill>
+          <a:blip r:embed="rId9">
+            <a:extLst>
+              <a:ext uri="{28A0092B-C50C-407E-A947-70E740481C1C}">
+                <a14:useLocalDpi xmlns:a14="http://schemas.microsoft.com/office/drawing/2010/main" val="0"/>
+              </a:ext>
+            </a:extLst>
+          </a:blip>
+          <a:stretch>
+            <a:fillRect/>
+          </a:stretch>
+        </p:blipFill>
+        <p:spPr>
+          <a:xfrm>
+            <a:off x="668245" y="1180190"/>
+            <a:ext cx="555734" cy="555734"/>
+          </a:xfrm>
+          <a:prstGeom prst="rect">
+            <a:avLst/>
+          </a:prstGeom>
+        </p:spPr>
+      </p:pic>
+    </p:spTree>
+    <p:extLst>
+      <p:ext uri="{BB962C8B-B14F-4D97-AF65-F5344CB8AC3E}">
+        <p14:creationId xmlns:p14="http://schemas.microsoft.com/office/powerpoint/2010/main" val="1498094303"/>
       </p:ext>
     </p:extLst>
   </p:cSld>
